--- a/Week 4/Pico Demo.pptx
+++ b/Week 4/Pico Demo.pptx
@@ -5,8 +5,10 @@
     <p:sldMasterId id="2147483648" r:id="rId1"/>
   </p:sldMasterIdLst>
   <p:sldIdLst>
-    <p:sldId id="257" r:id="rId2"/>
-    <p:sldId id="258" r:id="rId3"/>
+    <p:sldId id="259" r:id="rId2"/>
+    <p:sldId id="260" r:id="rId3"/>
+    <p:sldId id="257" r:id="rId4"/>
+    <p:sldId id="258" r:id="rId5"/>
   </p:sldIdLst>
   <p:sldSz cx="12192000" cy="6858000"/>
   <p:notesSz cx="6858000" cy="9144000"/>
@@ -105,6 +107,11 @@
       </a:defRPr>
     </a:lvl9pPr>
   </p:defaultTextStyle>
+  <p:extLst>
+    <p:ext uri="{EFAFB233-063F-42B5-8137-9DF3F51BA10A}">
+      <p15:sldGuideLst xmlns:p15="http://schemas.microsoft.com/office/powerpoint/2012/main"/>
+    </p:ext>
+  </p:extLst>
 </p:presentation>
 </file>
 
@@ -257,7 +264,7 @@
           <a:p>
             <a:fld id="{65929AE0-BF5E-40FB-9C5D-E01EC5EB2804}" type="datetimeFigureOut">
               <a:rPr lang="en-SG" smtClean="0"/>
-              <a:t>22/2/2023</a:t>
+              <a:t>24/2/2023</a:t>
             </a:fld>
             <a:endParaRPr lang="en-SG"/>
           </a:p>
@@ -457,7 +464,7 @@
           <a:p>
             <a:fld id="{65929AE0-BF5E-40FB-9C5D-E01EC5EB2804}" type="datetimeFigureOut">
               <a:rPr lang="en-SG" smtClean="0"/>
-              <a:t>22/2/2023</a:t>
+              <a:t>24/2/2023</a:t>
             </a:fld>
             <a:endParaRPr lang="en-SG"/>
           </a:p>
@@ -667,7 +674,7 @@
           <a:p>
             <a:fld id="{65929AE0-BF5E-40FB-9C5D-E01EC5EB2804}" type="datetimeFigureOut">
               <a:rPr lang="en-SG" smtClean="0"/>
-              <a:t>22/2/2023</a:t>
+              <a:t>24/2/2023</a:t>
             </a:fld>
             <a:endParaRPr lang="en-SG"/>
           </a:p>
@@ -867,7 +874,7 @@
           <a:p>
             <a:fld id="{65929AE0-BF5E-40FB-9C5D-E01EC5EB2804}" type="datetimeFigureOut">
               <a:rPr lang="en-SG" smtClean="0"/>
-              <a:t>22/2/2023</a:t>
+              <a:t>24/2/2023</a:t>
             </a:fld>
             <a:endParaRPr lang="en-SG"/>
           </a:p>
@@ -1143,7 +1150,7 @@
           <a:p>
             <a:fld id="{65929AE0-BF5E-40FB-9C5D-E01EC5EB2804}" type="datetimeFigureOut">
               <a:rPr lang="en-SG" smtClean="0"/>
-              <a:t>22/2/2023</a:t>
+              <a:t>24/2/2023</a:t>
             </a:fld>
             <a:endParaRPr lang="en-SG"/>
           </a:p>
@@ -1411,7 +1418,7 @@
           <a:p>
             <a:fld id="{65929AE0-BF5E-40FB-9C5D-E01EC5EB2804}" type="datetimeFigureOut">
               <a:rPr lang="en-SG" smtClean="0"/>
-              <a:t>22/2/2023</a:t>
+              <a:t>24/2/2023</a:t>
             </a:fld>
             <a:endParaRPr lang="en-SG"/>
           </a:p>
@@ -1826,7 +1833,7 @@
           <a:p>
             <a:fld id="{65929AE0-BF5E-40FB-9C5D-E01EC5EB2804}" type="datetimeFigureOut">
               <a:rPr lang="en-SG" smtClean="0"/>
-              <a:t>22/2/2023</a:t>
+              <a:t>24/2/2023</a:t>
             </a:fld>
             <a:endParaRPr lang="en-SG"/>
           </a:p>
@@ -1968,7 +1975,7 @@
           <a:p>
             <a:fld id="{65929AE0-BF5E-40FB-9C5D-E01EC5EB2804}" type="datetimeFigureOut">
               <a:rPr lang="en-SG" smtClean="0"/>
-              <a:t>22/2/2023</a:t>
+              <a:t>24/2/2023</a:t>
             </a:fld>
             <a:endParaRPr lang="en-SG"/>
           </a:p>
@@ -2081,7 +2088,7 @@
           <a:p>
             <a:fld id="{65929AE0-BF5E-40FB-9C5D-E01EC5EB2804}" type="datetimeFigureOut">
               <a:rPr lang="en-SG" smtClean="0"/>
-              <a:t>22/2/2023</a:t>
+              <a:t>24/2/2023</a:t>
             </a:fld>
             <a:endParaRPr lang="en-SG"/>
           </a:p>
@@ -2394,7 +2401,7 @@
           <a:p>
             <a:fld id="{65929AE0-BF5E-40FB-9C5D-E01EC5EB2804}" type="datetimeFigureOut">
               <a:rPr lang="en-SG" smtClean="0"/>
-              <a:t>22/2/2023</a:t>
+              <a:t>24/2/2023</a:t>
             </a:fld>
             <a:endParaRPr lang="en-SG"/>
           </a:p>
@@ -2683,7 +2690,7 @@
           <a:p>
             <a:fld id="{65929AE0-BF5E-40FB-9C5D-E01EC5EB2804}" type="datetimeFigureOut">
               <a:rPr lang="en-SG" smtClean="0"/>
-              <a:t>22/2/2023</a:t>
+              <a:t>24/2/2023</a:t>
             </a:fld>
             <a:endParaRPr lang="en-SG"/>
           </a:p>
@@ -2926,7 +2933,7 @@
           <a:p>
             <a:fld id="{65929AE0-BF5E-40FB-9C5D-E01EC5EB2804}" type="datetimeFigureOut">
               <a:rPr lang="en-SG" smtClean="0"/>
-              <a:t>22/2/2023</a:t>
+              <a:t>24/2/2023</a:t>
             </a:fld>
             <a:endParaRPr lang="en-SG"/>
           </a:p>
@@ -3348,6 +3355,697 @@
           <p:cNvPr id="3" name="Picture 2">
             <a:extLst>
               <a:ext uri="{FF2B5EF4-FFF2-40B4-BE49-F238E27FC236}">
+                <a16:creationId xmlns:a16="http://schemas.microsoft.com/office/drawing/2014/main" id="{C339D0F0-0973-1EFC-1C0F-285EE2167C4E}"/>
+              </a:ext>
+            </a:extLst>
+          </p:cNvPr>
+          <p:cNvPicPr>
+            <a:picLocks noChangeAspect="1"/>
+          </p:cNvPicPr>
+          <p:nvPr/>
+        </p:nvPicPr>
+        <p:blipFill>
+          <a:blip r:embed="rId2"/>
+          <a:stretch>
+            <a:fillRect/>
+          </a:stretch>
+        </p:blipFill>
+        <p:spPr>
+          <a:xfrm>
+            <a:off x="1194513" y="429324"/>
+            <a:ext cx="9534525" cy="3562350"/>
+          </a:xfrm>
+          <a:prstGeom prst="rect">
+            <a:avLst/>
+          </a:prstGeom>
+        </p:spPr>
+      </p:pic>
+      <p:pic>
+        <p:nvPicPr>
+          <p:cNvPr id="8" name="Picture 7">
+            <a:extLst>
+              <a:ext uri="{FF2B5EF4-FFF2-40B4-BE49-F238E27FC236}">
+                <a16:creationId xmlns:a16="http://schemas.microsoft.com/office/drawing/2014/main" id="{D627F754-C649-CD93-1874-B11B9ECE4C3B}"/>
+              </a:ext>
+            </a:extLst>
+          </p:cNvPr>
+          <p:cNvPicPr>
+            <a:picLocks noChangeAspect="1"/>
+          </p:cNvPicPr>
+          <p:nvPr/>
+        </p:nvPicPr>
+        <p:blipFill>
+          <a:blip r:embed="rId3"/>
+          <a:stretch>
+            <a:fillRect/>
+          </a:stretch>
+        </p:blipFill>
+        <p:spPr>
+          <a:xfrm>
+            <a:off x="6895095" y="3628326"/>
+            <a:ext cx="2847975" cy="2676525"/>
+          </a:xfrm>
+          <a:prstGeom prst="rect">
+            <a:avLst/>
+          </a:prstGeom>
+        </p:spPr>
+      </p:pic>
+      <p:sp>
+        <p:nvSpPr>
+          <p:cNvPr id="9" name="TextBox 8">
+            <a:extLst>
+              <a:ext uri="{FF2B5EF4-FFF2-40B4-BE49-F238E27FC236}">
+                <a16:creationId xmlns:a16="http://schemas.microsoft.com/office/drawing/2014/main" id="{7E56F4D9-4A5D-B3F4-5A46-21F87A8A43EA}"/>
+              </a:ext>
+            </a:extLst>
+          </p:cNvPr>
+          <p:cNvSpPr txBox="1"/>
+          <p:nvPr/>
+        </p:nvSpPr>
+        <p:spPr>
+          <a:xfrm>
+            <a:off x="975024" y="4440089"/>
+            <a:ext cx="573875" cy="369332"/>
+          </a:xfrm>
+          <a:prstGeom prst="rect">
+            <a:avLst/>
+          </a:prstGeom>
+          <a:solidFill>
+            <a:srgbClr val="FFC000"/>
+          </a:solidFill>
+        </p:spPr>
+        <p:txBody>
+          <a:bodyPr wrap="none" rtlCol="0">
+            <a:spAutoFit/>
+          </a:bodyPr>
+          <a:lstStyle/>
+          <a:p>
+            <a:r>
+              <a:rPr lang="en-US" dirty="0"/>
+              <a:t>Pico</a:t>
+            </a:r>
+            <a:endParaRPr lang="en-SG" dirty="0"/>
+          </a:p>
+        </p:txBody>
+      </p:sp>
+      <p:sp>
+        <p:nvSpPr>
+          <p:cNvPr id="10" name="TextBox 9">
+            <a:extLst>
+              <a:ext uri="{FF2B5EF4-FFF2-40B4-BE49-F238E27FC236}">
+                <a16:creationId xmlns:a16="http://schemas.microsoft.com/office/drawing/2014/main" id="{B020A4D0-1063-FB2A-A718-A6904526FF08}"/>
+              </a:ext>
+            </a:extLst>
+          </p:cNvPr>
+          <p:cNvSpPr txBox="1"/>
+          <p:nvPr/>
+        </p:nvSpPr>
+        <p:spPr>
+          <a:xfrm>
+            <a:off x="6359564" y="4356657"/>
+            <a:ext cx="484428" cy="369332"/>
+          </a:xfrm>
+          <a:prstGeom prst="rect">
+            <a:avLst/>
+          </a:prstGeom>
+          <a:solidFill>
+            <a:srgbClr val="FFC000"/>
+          </a:solidFill>
+        </p:spPr>
+        <p:txBody>
+          <a:bodyPr wrap="none" rtlCol="0">
+            <a:spAutoFit/>
+          </a:bodyPr>
+          <a:lstStyle/>
+          <a:p>
+            <a:r>
+              <a:rPr lang="en-US" dirty="0" err="1"/>
+              <a:t>Rpi</a:t>
+            </a:r>
+            <a:endParaRPr lang="en-SG" dirty="0"/>
+          </a:p>
+        </p:txBody>
+      </p:sp>
+      <p:pic>
+        <p:nvPicPr>
+          <p:cNvPr id="12" name="Picture 11">
+            <a:extLst>
+              <a:ext uri="{FF2B5EF4-FFF2-40B4-BE49-F238E27FC236}">
+                <a16:creationId xmlns:a16="http://schemas.microsoft.com/office/drawing/2014/main" id="{2059C593-19D1-DEA1-8323-C17BAD9116C2}"/>
+              </a:ext>
+            </a:extLst>
+          </p:cNvPr>
+          <p:cNvPicPr>
+            <a:picLocks noChangeAspect="1"/>
+          </p:cNvPicPr>
+          <p:nvPr/>
+        </p:nvPicPr>
+        <p:blipFill>
+          <a:blip r:embed="rId4"/>
+          <a:stretch>
+            <a:fillRect/>
+          </a:stretch>
+        </p:blipFill>
+        <p:spPr>
+          <a:xfrm>
+            <a:off x="1727162" y="3680107"/>
+            <a:ext cx="4105275" cy="2752725"/>
+          </a:xfrm>
+          <a:prstGeom prst="rect">
+            <a:avLst/>
+          </a:prstGeom>
+        </p:spPr>
+      </p:pic>
+    </p:spTree>
+    <p:extLst>
+      <p:ext uri="{BB962C8B-B14F-4D97-AF65-F5344CB8AC3E}">
+        <p14:creationId xmlns:p14="http://schemas.microsoft.com/office/powerpoint/2010/main" val="682557304"/>
+      </p:ext>
+    </p:extLst>
+  </p:cSld>
+  <p:clrMapOvr>
+    <a:masterClrMapping/>
+  </p:clrMapOvr>
+</p:sld>
+</file>
+
+<file path=ppt/slides/slide2.xml><?xml version="1.0" encoding="utf-8"?>
+<p:sld xmlns:a="http://schemas.openxmlformats.org/drawingml/2006/main" xmlns:r="http://schemas.openxmlformats.org/officeDocument/2006/relationships" xmlns:p="http://schemas.openxmlformats.org/presentationml/2006/main">
+  <p:cSld>
+    <p:spTree>
+      <p:nvGrpSpPr>
+        <p:cNvPr id="1" name=""/>
+        <p:cNvGrpSpPr/>
+        <p:nvPr/>
+      </p:nvGrpSpPr>
+      <p:grpSpPr>
+        <a:xfrm>
+          <a:off x="0" y="0"/>
+          <a:ext cx="0" cy="0"/>
+          <a:chOff x="0" y="0"/>
+          <a:chExt cx="0" cy="0"/>
+        </a:xfrm>
+      </p:grpSpPr>
+      <p:pic>
+        <p:nvPicPr>
+          <p:cNvPr id="3" name="Picture 2">
+            <a:extLst>
+              <a:ext uri="{FF2B5EF4-FFF2-40B4-BE49-F238E27FC236}">
+                <a16:creationId xmlns:a16="http://schemas.microsoft.com/office/drawing/2014/main" id="{85E8668B-99BE-019D-8E0A-04FF72E7E075}"/>
+              </a:ext>
+            </a:extLst>
+          </p:cNvPr>
+          <p:cNvPicPr>
+            <a:picLocks noChangeAspect="1"/>
+          </p:cNvPicPr>
+          <p:nvPr/>
+        </p:nvPicPr>
+        <p:blipFill>
+          <a:blip r:embed="rId2"/>
+          <a:stretch>
+            <a:fillRect/>
+          </a:stretch>
+        </p:blipFill>
+        <p:spPr>
+          <a:xfrm>
+            <a:off x="1346718" y="391333"/>
+            <a:ext cx="9498563" cy="3293857"/>
+          </a:xfrm>
+          <a:prstGeom prst="rect">
+            <a:avLst/>
+          </a:prstGeom>
+        </p:spPr>
+      </p:pic>
+      <p:sp>
+        <p:nvSpPr>
+          <p:cNvPr id="4" name="TextBox 3">
+            <a:extLst>
+              <a:ext uri="{FF2B5EF4-FFF2-40B4-BE49-F238E27FC236}">
+                <a16:creationId xmlns:a16="http://schemas.microsoft.com/office/drawing/2014/main" id="{74B2D795-63B6-9C6F-C5BD-519A9A2A154A}"/>
+              </a:ext>
+            </a:extLst>
+          </p:cNvPr>
+          <p:cNvSpPr txBox="1"/>
+          <p:nvPr/>
+        </p:nvSpPr>
+        <p:spPr>
+          <a:xfrm>
+            <a:off x="1346718" y="3881534"/>
+            <a:ext cx="5763822" cy="2677656"/>
+          </a:xfrm>
+          <a:prstGeom prst="rect">
+            <a:avLst/>
+          </a:prstGeom>
+          <a:noFill/>
+        </p:spPr>
+        <p:txBody>
+          <a:bodyPr wrap="none" rtlCol="0">
+            <a:spAutoFit/>
+          </a:bodyPr>
+          <a:lstStyle/>
+          <a:p>
+            <a:r>
+              <a:rPr lang="en-SG" sz="1600" dirty="0"/>
+              <a:t>&gt;&gt;&gt; import tm1637</a:t>
+            </a:r>
+          </a:p>
+          <a:p>
+            <a:r>
+              <a:rPr lang="en-SG" sz="1600" dirty="0"/>
+              <a:t>&gt;&gt;&gt; tm = tm1637.TM1637(</a:t>
+            </a:r>
+            <a:r>
+              <a:rPr lang="en-SG" sz="1600" dirty="0" err="1"/>
+              <a:t>clk</a:t>
+            </a:r>
+            <a:r>
+              <a:rPr lang="en-SG" sz="1600" dirty="0"/>
+              <a:t>=</a:t>
+            </a:r>
+            <a:r>
+              <a:rPr lang="en-SG" sz="1600" dirty="0" err="1"/>
+              <a:t>machine.Pin</a:t>
+            </a:r>
+            <a:r>
+              <a:rPr lang="en-SG" sz="1600" dirty="0"/>
+              <a:t>(4), </a:t>
+            </a:r>
+            <a:r>
+              <a:rPr lang="en-SG" sz="1600" dirty="0" err="1"/>
+              <a:t>dio</a:t>
+            </a:r>
+            <a:r>
+              <a:rPr lang="en-SG" sz="1600" dirty="0"/>
+              <a:t>=</a:t>
+            </a:r>
+            <a:r>
+              <a:rPr lang="en-SG" sz="1600" dirty="0" err="1"/>
+              <a:t>machine.Pin</a:t>
+            </a:r>
+            <a:r>
+              <a:rPr lang="en-SG" sz="1600" dirty="0"/>
+              <a:t>(5))</a:t>
+            </a:r>
+          </a:p>
+          <a:p>
+            <a:endParaRPr lang="en-SG" sz="1600" dirty="0"/>
+          </a:p>
+          <a:p>
+            <a:r>
+              <a:rPr lang="en-SG" sz="1600" dirty="0"/>
+              <a:t>&gt;&gt;&gt; </a:t>
+            </a:r>
+            <a:r>
+              <a:rPr lang="en-SG" sz="1600" dirty="0" err="1"/>
+              <a:t>tm.show</a:t>
+            </a:r>
+            <a:r>
+              <a:rPr lang="en-SG" sz="1600" dirty="0"/>
+              <a:t>('    ‘)  </a:t>
+            </a:r>
+          </a:p>
+          <a:p>
+            <a:r>
+              <a:rPr lang="en-SG" sz="1600" dirty="0"/>
+              <a:t>&gt;&gt;&gt; </a:t>
+            </a:r>
+            <a:r>
+              <a:rPr lang="en-SG" sz="1600" dirty="0" err="1"/>
+              <a:t>tm.show</a:t>
+            </a:r>
+            <a:r>
+              <a:rPr lang="en-SG" sz="1600" dirty="0"/>
+              <a:t>(‘HELP’)</a:t>
+            </a:r>
+          </a:p>
+          <a:p>
+            <a:r>
+              <a:rPr lang="en-SG" sz="1600" dirty="0"/>
+              <a:t>&gt;&gt;&gt; </a:t>
+            </a:r>
+            <a:r>
+              <a:rPr lang="en-SG" sz="1600" dirty="0" err="1"/>
+              <a:t>tm.number</a:t>
+            </a:r>
+            <a:r>
+              <a:rPr lang="en-SG" sz="1600" dirty="0"/>
+              <a:t>(1)</a:t>
+            </a:r>
+          </a:p>
+          <a:p>
+            <a:r>
+              <a:rPr lang="en-SG" sz="1600" dirty="0"/>
+              <a:t>&gt;&gt;&gt; </a:t>
+            </a:r>
+            <a:r>
+              <a:rPr lang="en-SG" sz="1600" dirty="0" err="1"/>
+              <a:t>tm.number</a:t>
+            </a:r>
+            <a:r>
+              <a:rPr lang="en-SG" sz="1600" dirty="0"/>
+              <a:t>(12)</a:t>
+            </a:r>
+          </a:p>
+          <a:p>
+            <a:r>
+              <a:rPr lang="en-SG" sz="1600" dirty="0"/>
+              <a:t>&gt;&gt;&gt; </a:t>
+            </a:r>
+            <a:r>
+              <a:rPr lang="en-SG" sz="1600" dirty="0" err="1"/>
+              <a:t>tm.number</a:t>
+            </a:r>
+            <a:r>
+              <a:rPr lang="en-SG" sz="1600" dirty="0"/>
+              <a:t>(123)</a:t>
+            </a:r>
+          </a:p>
+          <a:p>
+            <a:r>
+              <a:rPr lang="en-SG" sz="1600" dirty="0"/>
+              <a:t>&gt;&gt;&gt; </a:t>
+            </a:r>
+            <a:r>
+              <a:rPr lang="en-SG" sz="1600" dirty="0" err="1"/>
+              <a:t>tm.number</a:t>
+            </a:r>
+            <a:r>
+              <a:rPr lang="en-SG" sz="1600" dirty="0"/>
+              <a:t>(1234)</a:t>
+            </a:r>
+          </a:p>
+          <a:p>
+            <a:endParaRPr lang="en-SG" sz="1200" dirty="0"/>
+          </a:p>
+          <a:p>
+            <a:r>
+              <a:rPr lang="en-SG" sz="1200" dirty="0"/>
+              <a:t> </a:t>
+            </a:r>
+          </a:p>
+        </p:txBody>
+      </p:sp>
+      <p:sp>
+        <p:nvSpPr>
+          <p:cNvPr id="5" name="TextBox 4">
+            <a:extLst>
+              <a:ext uri="{FF2B5EF4-FFF2-40B4-BE49-F238E27FC236}">
+                <a16:creationId xmlns:a16="http://schemas.microsoft.com/office/drawing/2014/main" id="{1602B2C3-2CEC-4EFC-4604-B6A8AE7C9486}"/>
+              </a:ext>
+            </a:extLst>
+          </p:cNvPr>
+          <p:cNvSpPr txBox="1"/>
+          <p:nvPr/>
+        </p:nvSpPr>
+        <p:spPr>
+          <a:xfrm>
+            <a:off x="7526787" y="3900196"/>
+            <a:ext cx="3153556" cy="2831544"/>
+          </a:xfrm>
+          <a:prstGeom prst="rect">
+            <a:avLst/>
+          </a:prstGeom>
+          <a:noFill/>
+        </p:spPr>
+        <p:txBody>
+          <a:bodyPr wrap="none" rtlCol="0">
+            <a:spAutoFit/>
+          </a:bodyPr>
+          <a:lstStyle/>
+          <a:p>
+            <a:r>
+              <a:rPr lang="en-US" sz="1600" dirty="0"/>
+              <a:t>&gt;&gt;&gt; import tm1637</a:t>
+            </a:r>
+          </a:p>
+          <a:p>
+            <a:r>
+              <a:rPr lang="en-US" sz="1600" dirty="0"/>
+              <a:t>&gt;&gt;&gt; display = tm1637.TM1637(4,5)</a:t>
+            </a:r>
+          </a:p>
+          <a:p>
+            <a:endParaRPr lang="en-US" sz="1600" dirty="0"/>
+          </a:p>
+          <a:p>
+            <a:r>
+              <a:rPr lang="en-US" sz="1600" dirty="0"/>
+              <a:t>&gt;&gt;&gt; </a:t>
+            </a:r>
+            <a:r>
+              <a:rPr lang="en-US" sz="1600" dirty="0" err="1"/>
+              <a:t>display.clear</a:t>
+            </a:r>
+            <a:r>
+              <a:rPr lang="en-US" sz="1600" dirty="0"/>
+              <a:t>()</a:t>
+            </a:r>
+          </a:p>
+          <a:p>
+            <a:r>
+              <a:rPr lang="en-US" sz="1600" dirty="0"/>
+              <a:t>&gt;&gt;&gt; </a:t>
+            </a:r>
+            <a:r>
+              <a:rPr lang="en-US" sz="1600" dirty="0" err="1"/>
+              <a:t>display.set_values</a:t>
+            </a:r>
+            <a:r>
+              <a:rPr lang="en-US" sz="1600" dirty="0">
+                <a:solidFill>
+                  <a:srgbClr val="FF0000"/>
+                </a:solidFill>
+              </a:rPr>
+              <a:t>([‘H’,’E’,’L’,’P’]</a:t>
+            </a:r>
+            <a:r>
+              <a:rPr lang="en-US" sz="1600" dirty="0"/>
+              <a:t>)</a:t>
+            </a:r>
+          </a:p>
+          <a:p>
+            <a:r>
+              <a:rPr lang="en-US" sz="1600" dirty="0"/>
+              <a:t>&gt;&gt;&gt; </a:t>
+            </a:r>
+            <a:r>
+              <a:rPr lang="en-US" sz="1600" dirty="0" err="1"/>
+              <a:t>display.set_values</a:t>
+            </a:r>
+            <a:r>
+              <a:rPr lang="en-US" sz="1600" dirty="0"/>
+              <a:t>(</a:t>
+            </a:r>
+            <a:r>
+              <a:rPr lang="en-US" sz="1600" dirty="0">
+                <a:solidFill>
+                  <a:srgbClr val="FF0000"/>
+                </a:solidFill>
+              </a:rPr>
+              <a:t>[‘ ‘,’ ‘,’ ‘,’1’]</a:t>
+            </a:r>
+            <a:r>
+              <a:rPr lang="en-US" sz="1600" dirty="0"/>
+              <a:t>)</a:t>
+            </a:r>
+          </a:p>
+          <a:p>
+            <a:r>
+              <a:rPr lang="en-US" sz="1600" dirty="0"/>
+              <a:t>&gt;&gt;&gt; </a:t>
+            </a:r>
+            <a:r>
+              <a:rPr lang="en-US" sz="1600" dirty="0" err="1"/>
+              <a:t>display.set_values</a:t>
+            </a:r>
+            <a:r>
+              <a:rPr lang="en-US" sz="1600" dirty="0"/>
+              <a:t>(</a:t>
+            </a:r>
+            <a:r>
+              <a:rPr lang="en-US" sz="1600" dirty="0">
+                <a:solidFill>
+                  <a:srgbClr val="FF0000"/>
+                </a:solidFill>
+              </a:rPr>
+              <a:t>[‘ ‘,’ ‘,’1’,’2’]</a:t>
+            </a:r>
+            <a:r>
+              <a:rPr lang="en-US" sz="1600" dirty="0"/>
+              <a:t>)</a:t>
+            </a:r>
+          </a:p>
+          <a:p>
+            <a:r>
+              <a:rPr lang="en-US" sz="1600" dirty="0"/>
+              <a:t>&gt;&gt;&gt; </a:t>
+            </a:r>
+            <a:r>
+              <a:rPr lang="en-US" sz="1600" dirty="0" err="1"/>
+              <a:t>display.set_values</a:t>
+            </a:r>
+            <a:r>
+              <a:rPr lang="en-US" sz="1600" dirty="0"/>
+              <a:t>(</a:t>
+            </a:r>
+            <a:r>
+              <a:rPr lang="en-US" sz="1600" dirty="0">
+                <a:solidFill>
+                  <a:srgbClr val="FF0000"/>
+                </a:solidFill>
+              </a:rPr>
+              <a:t>[‘ ‘,’1‘,’2‘,’3’]</a:t>
+            </a:r>
+            <a:r>
+              <a:rPr lang="en-US" sz="1600" dirty="0"/>
+              <a:t>)</a:t>
+            </a:r>
+          </a:p>
+          <a:p>
+            <a:r>
+              <a:rPr lang="en-US" sz="1600" dirty="0"/>
+              <a:t>&gt;&gt;&gt; </a:t>
+            </a:r>
+            <a:r>
+              <a:rPr lang="en-US" sz="1600" dirty="0" err="1"/>
+              <a:t>display.set_values</a:t>
+            </a:r>
+            <a:r>
+              <a:rPr lang="en-US" sz="1600" dirty="0"/>
+              <a:t>(</a:t>
+            </a:r>
+            <a:r>
+              <a:rPr lang="en-US" sz="1600" dirty="0">
+                <a:solidFill>
+                  <a:srgbClr val="FF0000"/>
+                </a:solidFill>
+              </a:rPr>
+              <a:t>[‘ 1,’2‘,’3’,’4’]</a:t>
+            </a:r>
+            <a:r>
+              <a:rPr lang="en-US" sz="1600" dirty="0"/>
+              <a:t>)</a:t>
+            </a:r>
+          </a:p>
+          <a:p>
+            <a:endParaRPr lang="en-US" sz="1600" dirty="0"/>
+          </a:p>
+          <a:p>
+            <a:endParaRPr lang="en-SG" dirty="0"/>
+          </a:p>
+        </p:txBody>
+      </p:sp>
+      <p:sp>
+        <p:nvSpPr>
+          <p:cNvPr id="8" name="TextBox 7">
+            <a:extLst>
+              <a:ext uri="{FF2B5EF4-FFF2-40B4-BE49-F238E27FC236}">
+                <a16:creationId xmlns:a16="http://schemas.microsoft.com/office/drawing/2014/main" id="{D5DCC4EA-B24F-8A2E-6C4B-0AC4AA0EF2CD}"/>
+              </a:ext>
+            </a:extLst>
+          </p:cNvPr>
+          <p:cNvSpPr txBox="1"/>
+          <p:nvPr/>
+        </p:nvSpPr>
+        <p:spPr>
+          <a:xfrm>
+            <a:off x="1402719" y="3530864"/>
+            <a:ext cx="573875" cy="369332"/>
+          </a:xfrm>
+          <a:prstGeom prst="rect">
+            <a:avLst/>
+          </a:prstGeom>
+          <a:solidFill>
+            <a:srgbClr val="FFC000"/>
+          </a:solidFill>
+        </p:spPr>
+        <p:txBody>
+          <a:bodyPr wrap="none" rtlCol="0">
+            <a:spAutoFit/>
+          </a:bodyPr>
+          <a:lstStyle/>
+          <a:p>
+            <a:r>
+              <a:rPr lang="en-US" dirty="0"/>
+              <a:t>Pico</a:t>
+            </a:r>
+            <a:endParaRPr lang="en-SG" dirty="0"/>
+          </a:p>
+        </p:txBody>
+      </p:sp>
+      <p:sp>
+        <p:nvSpPr>
+          <p:cNvPr id="9" name="TextBox 8">
+            <a:extLst>
+              <a:ext uri="{FF2B5EF4-FFF2-40B4-BE49-F238E27FC236}">
+                <a16:creationId xmlns:a16="http://schemas.microsoft.com/office/drawing/2014/main" id="{F50429B7-363E-59CB-74DD-BC3C3CF04EF3}"/>
+              </a:ext>
+            </a:extLst>
+          </p:cNvPr>
+          <p:cNvSpPr txBox="1"/>
+          <p:nvPr/>
+        </p:nvSpPr>
+        <p:spPr>
+          <a:xfrm>
+            <a:off x="7526787" y="3544894"/>
+            <a:ext cx="484428" cy="369332"/>
+          </a:xfrm>
+          <a:prstGeom prst="rect">
+            <a:avLst/>
+          </a:prstGeom>
+          <a:solidFill>
+            <a:srgbClr val="FFC000"/>
+          </a:solidFill>
+        </p:spPr>
+        <p:txBody>
+          <a:bodyPr wrap="none" rtlCol="0">
+            <a:spAutoFit/>
+          </a:bodyPr>
+          <a:lstStyle/>
+          <a:p>
+            <a:r>
+              <a:rPr lang="en-US" dirty="0" err="1"/>
+              <a:t>Rpi</a:t>
+            </a:r>
+            <a:endParaRPr lang="en-SG" dirty="0"/>
+          </a:p>
+        </p:txBody>
+      </p:sp>
+    </p:spTree>
+    <p:extLst>
+      <p:ext uri="{BB962C8B-B14F-4D97-AF65-F5344CB8AC3E}">
+        <p14:creationId xmlns:p14="http://schemas.microsoft.com/office/powerpoint/2010/main" val="1233620164"/>
+      </p:ext>
+    </p:extLst>
+  </p:cSld>
+  <p:clrMapOvr>
+    <a:masterClrMapping/>
+  </p:clrMapOvr>
+</p:sld>
+</file>
+
+<file path=ppt/slides/slide3.xml><?xml version="1.0" encoding="utf-8"?>
+<p:sld xmlns:a="http://schemas.openxmlformats.org/drawingml/2006/main" xmlns:r="http://schemas.openxmlformats.org/officeDocument/2006/relationships" xmlns:p="http://schemas.openxmlformats.org/presentationml/2006/main">
+  <p:cSld>
+    <p:spTree>
+      <p:nvGrpSpPr>
+        <p:cNvPr id="1" name=""/>
+        <p:cNvGrpSpPr/>
+        <p:nvPr/>
+      </p:nvGrpSpPr>
+      <p:grpSpPr>
+        <a:xfrm>
+          <a:off x="0" y="0"/>
+          <a:ext cx="0" cy="0"/>
+          <a:chOff x="0" y="0"/>
+          <a:chExt cx="0" cy="0"/>
+        </a:xfrm>
+      </p:grpSpPr>
+      <p:pic>
+        <p:nvPicPr>
+          <p:cNvPr id="3" name="Picture 2">
+            <a:extLst>
+              <a:ext uri="{FF2B5EF4-FFF2-40B4-BE49-F238E27FC236}">
                 <a16:creationId xmlns:a16="http://schemas.microsoft.com/office/drawing/2014/main" id="{2BF6A0B0-EA99-0666-5392-3088CB02AED1}"/>
               </a:ext>
             </a:extLst>
@@ -3490,7 +4188,7 @@
 </p:sld>
 </file>
 
-<file path=ppt/slides/slide2.xml><?xml version="1.0" encoding="utf-8"?>
+<file path=ppt/slides/slide4.xml><?xml version="1.0" encoding="utf-8"?>
 <p:sld xmlns:a="http://schemas.openxmlformats.org/drawingml/2006/main" xmlns:r="http://schemas.openxmlformats.org/officeDocument/2006/relationships" xmlns:p="http://schemas.openxmlformats.org/presentationml/2006/main">
   <p:cSld>
     <p:spTree>
